--- a/res/rxJava.pptx
+++ b/res/rxJava.pptx
@@ -38,6 +38,12 @@
     <p:sldId id="282" r:id="rId32"/>
     <p:sldId id="283" r:id="rId33"/>
     <p:sldId id="284" r:id="rId34"/>
+    <p:sldId id="291" r:id="rId35"/>
+    <p:sldId id="293" r:id="rId36"/>
+    <p:sldId id="294" r:id="rId37"/>
+    <p:sldId id="292" r:id="rId38"/>
+    <p:sldId id="295" r:id="rId39"/>
+    <p:sldId id="296" r:id="rId40"/>
   </p:sldIdLst>
   <p:sldSz cx="12192000" cy="6858000"/>
   <p:notesSz cx="6858000" cy="9144000"/>
@@ -275,7 +281,7 @@
           <a:p>
             <a:fld id="{C876D7C8-2D9C-47F9-A128-B8D96E4C168A}" type="datetimeFigureOut">
               <a:rPr lang="zh-CN" altLang="en-US" smtClean="0"/>
-              <a:t>2018/10/31 Wednesday</a:t>
+              <a:t>2018/11/6 Tuesday</a:t>
             </a:fld>
             <a:endParaRPr lang="zh-CN" altLang="en-US"/>
           </a:p>
@@ -445,7 +451,7 @@
           <a:p>
             <a:fld id="{C876D7C8-2D9C-47F9-A128-B8D96E4C168A}" type="datetimeFigureOut">
               <a:rPr lang="zh-CN" altLang="en-US" smtClean="0"/>
-              <a:t>2018/10/31 Wednesday</a:t>
+              <a:t>2018/11/6 Tuesday</a:t>
             </a:fld>
             <a:endParaRPr lang="zh-CN" altLang="en-US"/>
           </a:p>
@@ -625,7 +631,7 @@
           <a:p>
             <a:fld id="{C876D7C8-2D9C-47F9-A128-B8D96E4C168A}" type="datetimeFigureOut">
               <a:rPr lang="zh-CN" altLang="en-US" smtClean="0"/>
-              <a:t>2018/10/31 Wednesday</a:t>
+              <a:t>2018/11/6 Tuesday</a:t>
             </a:fld>
             <a:endParaRPr lang="zh-CN" altLang="en-US"/>
           </a:p>
@@ -795,7 +801,7 @@
           <a:p>
             <a:fld id="{C876D7C8-2D9C-47F9-A128-B8D96E4C168A}" type="datetimeFigureOut">
               <a:rPr lang="zh-CN" altLang="en-US" smtClean="0"/>
-              <a:t>2018/10/31 Wednesday</a:t>
+              <a:t>2018/11/6 Tuesday</a:t>
             </a:fld>
             <a:endParaRPr lang="zh-CN" altLang="en-US"/>
           </a:p>
@@ -1041,7 +1047,7 @@
           <a:p>
             <a:fld id="{C876D7C8-2D9C-47F9-A128-B8D96E4C168A}" type="datetimeFigureOut">
               <a:rPr lang="zh-CN" altLang="en-US" smtClean="0"/>
-              <a:t>2018/10/31 Wednesday</a:t>
+              <a:t>2018/11/6 Tuesday</a:t>
             </a:fld>
             <a:endParaRPr lang="zh-CN" altLang="en-US"/>
           </a:p>
@@ -1273,7 +1279,7 @@
           <a:p>
             <a:fld id="{C876D7C8-2D9C-47F9-A128-B8D96E4C168A}" type="datetimeFigureOut">
               <a:rPr lang="zh-CN" altLang="en-US" smtClean="0"/>
-              <a:t>2018/10/31 Wednesday</a:t>
+              <a:t>2018/11/6 Tuesday</a:t>
             </a:fld>
             <a:endParaRPr lang="zh-CN" altLang="en-US"/>
           </a:p>
@@ -1640,7 +1646,7 @@
           <a:p>
             <a:fld id="{C876D7C8-2D9C-47F9-A128-B8D96E4C168A}" type="datetimeFigureOut">
               <a:rPr lang="zh-CN" altLang="en-US" smtClean="0"/>
-              <a:t>2018/10/31 Wednesday</a:t>
+              <a:t>2018/11/6 Tuesday</a:t>
             </a:fld>
             <a:endParaRPr lang="zh-CN" altLang="en-US"/>
           </a:p>
@@ -1758,7 +1764,7 @@
           <a:p>
             <a:fld id="{C876D7C8-2D9C-47F9-A128-B8D96E4C168A}" type="datetimeFigureOut">
               <a:rPr lang="zh-CN" altLang="en-US" smtClean="0"/>
-              <a:t>2018/10/31 Wednesday</a:t>
+              <a:t>2018/11/6 Tuesday</a:t>
             </a:fld>
             <a:endParaRPr lang="zh-CN" altLang="en-US"/>
           </a:p>
@@ -1853,7 +1859,7 @@
           <a:p>
             <a:fld id="{C876D7C8-2D9C-47F9-A128-B8D96E4C168A}" type="datetimeFigureOut">
               <a:rPr lang="zh-CN" altLang="en-US" smtClean="0"/>
-              <a:t>2018/10/31 Wednesday</a:t>
+              <a:t>2018/11/6 Tuesday</a:t>
             </a:fld>
             <a:endParaRPr lang="zh-CN" altLang="en-US"/>
           </a:p>
@@ -2130,7 +2136,7 @@
           <a:p>
             <a:fld id="{C876D7C8-2D9C-47F9-A128-B8D96E4C168A}" type="datetimeFigureOut">
               <a:rPr lang="zh-CN" altLang="en-US" smtClean="0"/>
-              <a:t>2018/10/31 Wednesday</a:t>
+              <a:t>2018/11/6 Tuesday</a:t>
             </a:fld>
             <a:endParaRPr lang="zh-CN" altLang="en-US"/>
           </a:p>
@@ -2383,7 +2389,7 @@
           <a:p>
             <a:fld id="{C876D7C8-2D9C-47F9-A128-B8D96E4C168A}" type="datetimeFigureOut">
               <a:rPr lang="zh-CN" altLang="en-US" smtClean="0"/>
-              <a:t>2018/10/31 Wednesday</a:t>
+              <a:t>2018/11/6 Tuesday</a:t>
             </a:fld>
             <a:endParaRPr lang="zh-CN" altLang="en-US"/>
           </a:p>
@@ -2596,7 +2602,7 @@
           <a:p>
             <a:fld id="{C876D7C8-2D9C-47F9-A128-B8D96E4C168A}" type="datetimeFigureOut">
               <a:rPr lang="zh-CN" altLang="en-US" smtClean="0"/>
-              <a:t>2018/10/31 Wednesday</a:t>
+              <a:t>2018/11/6 Tuesday</a:t>
             </a:fld>
             <a:endParaRPr lang="zh-CN" altLang="en-US"/>
           </a:p>
@@ -3457,7 +3463,6 @@
               <a:rPr lang="zh-CN" altLang="en-US" dirty="0"/>
               <a:t>系列</a:t>
             </a:r>
-            <a:endParaRPr lang="zh-CN" altLang="en-US" dirty="0"/>
           </a:p>
         </p:txBody>
       </p:sp>
@@ -8333,6 +8338,715 @@
 </p:sld>
 </file>
 
+<file path=ppt/slides/slide34.xml><?xml version="1.0" encoding="utf-8"?>
+<p:sld xmlns:a="http://schemas.openxmlformats.org/drawingml/2006/main" xmlns:r="http://schemas.openxmlformats.org/officeDocument/2006/relationships" xmlns:p="http://schemas.openxmlformats.org/presentationml/2006/main">
+  <p:cSld>
+    <p:spTree>
+      <p:nvGrpSpPr>
+        <p:cNvPr id="1" name=""/>
+        <p:cNvGrpSpPr/>
+        <p:nvPr/>
+      </p:nvGrpSpPr>
+      <p:grpSpPr>
+        <a:xfrm>
+          <a:off x="0" y="0"/>
+          <a:ext cx="0" cy="0"/>
+          <a:chOff x="0" y="0"/>
+          <a:chExt cx="0" cy="0"/>
+        </a:xfrm>
+      </p:grpSpPr>
+      <p:sp>
+        <p:nvSpPr>
+          <p:cNvPr id="2" name="标题 1"/>
+          <p:cNvSpPr>
+            <a:spLocks noGrp="1"/>
+          </p:cNvSpPr>
+          <p:nvPr>
+            <p:ph type="title"/>
+          </p:nvPr>
+        </p:nvSpPr>
+        <p:spPr/>
+        <p:txBody>
+          <a:bodyPr/>
+          <a:lstStyle/>
+          <a:p>
+            <a:r>
+              <a:rPr lang="en-US" altLang="zh-CN" dirty="0" err="1" smtClean="0"/>
+              <a:t>RxBinding</a:t>
+            </a:r>
+            <a:endParaRPr lang="zh-CN" altLang="en-US" dirty="0"/>
+          </a:p>
+        </p:txBody>
+      </p:sp>
+      <p:sp>
+        <p:nvSpPr>
+          <p:cNvPr id="3" name="内容占位符 2"/>
+          <p:cNvSpPr>
+            <a:spLocks noGrp="1"/>
+          </p:cNvSpPr>
+          <p:nvPr>
+            <p:ph idx="1"/>
+          </p:nvPr>
+        </p:nvSpPr>
+        <p:spPr/>
+        <p:txBody>
+          <a:bodyPr/>
+          <a:lstStyle/>
+          <a:p>
+            <a:r>
+              <a:rPr lang="zh-CN" altLang="en-US" dirty="0" smtClean="0"/>
+              <a:t>什么是</a:t>
+            </a:r>
+            <a:r>
+              <a:rPr lang="en-US" altLang="zh-CN" dirty="0" err="1" smtClean="0"/>
+              <a:t>RxBinding</a:t>
+            </a:r>
+            <a:endParaRPr lang="en-US" altLang="zh-CN" dirty="0" smtClean="0"/>
+          </a:p>
+          <a:p>
+            <a:r>
+              <a:rPr lang="zh-CN" altLang="en-US" dirty="0"/>
+              <a:t>来自</a:t>
+            </a:r>
+            <a:r>
+              <a:rPr lang="zh-CN" altLang="en-US" dirty="0" smtClean="0"/>
+              <a:t>于</a:t>
+            </a:r>
+            <a:r>
+              <a:rPr lang="en-US" altLang="zh-CN" dirty="0" smtClean="0"/>
+              <a:t>Android</a:t>
+            </a:r>
+            <a:r>
+              <a:rPr lang="zh-CN" altLang="en-US" dirty="0" smtClean="0"/>
+              <a:t>平台和</a:t>
+            </a:r>
+            <a:r>
+              <a:rPr lang="en-US" altLang="zh-CN" dirty="0" smtClean="0"/>
+              <a:t>suppor</a:t>
+            </a:r>
+            <a:r>
+              <a:rPr lang="en-US" altLang="zh-CN" dirty="0"/>
+              <a:t>t</a:t>
+            </a:r>
+            <a:r>
+              <a:rPr lang="zh-CN" altLang="en-US" dirty="0" smtClean="0"/>
+              <a:t>库的</a:t>
+            </a:r>
+            <a:r>
+              <a:rPr lang="en-US" altLang="zh-CN" dirty="0" smtClean="0"/>
+              <a:t>UI</a:t>
+            </a:r>
+            <a:r>
+              <a:rPr lang="zh-CN" altLang="en-US" dirty="0" smtClean="0"/>
+              <a:t>控件的</a:t>
+            </a:r>
+            <a:r>
+              <a:rPr lang="en-US" altLang="zh-CN" dirty="0" err="1" smtClean="0"/>
+              <a:t>RxJava</a:t>
+            </a:r>
+            <a:r>
+              <a:rPr lang="zh-CN" altLang="en-US" dirty="0" smtClean="0"/>
+              <a:t>绑定</a:t>
+            </a:r>
+            <a:r>
+              <a:rPr lang="en-US" altLang="zh-CN" dirty="0" smtClean="0"/>
+              <a:t>API</a:t>
+            </a:r>
+          </a:p>
+          <a:p>
+            <a:endParaRPr lang="en-US" altLang="zh-CN" dirty="0"/>
+          </a:p>
+          <a:p>
+            <a:endParaRPr lang="en-US" altLang="zh-CN" dirty="0" smtClean="0"/>
+          </a:p>
+          <a:p>
+            <a:r>
+              <a:rPr lang="zh-CN" altLang="en-US" dirty="0" smtClean="0"/>
+              <a:t>能做什么？</a:t>
+            </a:r>
+            <a:endParaRPr lang="en-US" altLang="zh-CN" dirty="0" smtClean="0"/>
+          </a:p>
+          <a:p>
+            <a:r>
+              <a:rPr lang="zh-CN" altLang="en-US" dirty="0" smtClean="0"/>
+              <a:t>将</a:t>
+            </a:r>
+            <a:r>
+              <a:rPr lang="en-US" altLang="zh-CN" dirty="0" smtClean="0"/>
+              <a:t>View</a:t>
+            </a:r>
+            <a:r>
+              <a:rPr lang="zh-CN" altLang="en-US" dirty="0"/>
+              <a:t>响应</a:t>
+            </a:r>
+            <a:r>
+              <a:rPr lang="zh-CN" altLang="en-US" dirty="0" smtClean="0"/>
+              <a:t>事件转换成</a:t>
+            </a:r>
+            <a:r>
+              <a:rPr lang="en-US" altLang="zh-CN" dirty="0" err="1" smtClean="0"/>
+              <a:t>RxJava</a:t>
+            </a:r>
+            <a:r>
+              <a:rPr lang="en-US" altLang="zh-CN" dirty="0" smtClean="0"/>
+              <a:t> </a:t>
+            </a:r>
+            <a:r>
+              <a:rPr lang="zh-CN" altLang="en-US" dirty="0" smtClean="0"/>
+              <a:t>观察源</a:t>
+            </a:r>
+            <a:endParaRPr lang="en-US" altLang="zh-CN" dirty="0" smtClean="0"/>
+          </a:p>
+          <a:p>
+            <a:endParaRPr lang="en-US" altLang="zh-CN" dirty="0" smtClean="0"/>
+          </a:p>
+          <a:p>
+            <a:endParaRPr lang="en-US" altLang="zh-CN" dirty="0"/>
+          </a:p>
+        </p:txBody>
+      </p:sp>
+    </p:spTree>
+    <p:extLst>
+      <p:ext uri="{BB962C8B-B14F-4D97-AF65-F5344CB8AC3E}">
+        <p14:creationId xmlns:p14="http://schemas.microsoft.com/office/powerpoint/2010/main" val="752894141"/>
+      </p:ext>
+    </p:extLst>
+  </p:cSld>
+  <p:clrMapOvr>
+    <a:masterClrMapping/>
+  </p:clrMapOvr>
+</p:sld>
+</file>
+
+<file path=ppt/slides/slide35.xml><?xml version="1.0" encoding="utf-8"?>
+<p:sld xmlns:a="http://schemas.openxmlformats.org/drawingml/2006/main" xmlns:r="http://schemas.openxmlformats.org/officeDocument/2006/relationships" xmlns:p="http://schemas.openxmlformats.org/presentationml/2006/main">
+  <p:cSld>
+    <p:spTree>
+      <p:nvGrpSpPr>
+        <p:cNvPr id="1" name=""/>
+        <p:cNvGrpSpPr/>
+        <p:nvPr/>
+      </p:nvGrpSpPr>
+      <p:grpSpPr>
+        <a:xfrm>
+          <a:off x="0" y="0"/>
+          <a:ext cx="0" cy="0"/>
+          <a:chOff x="0" y="0"/>
+          <a:chExt cx="0" cy="0"/>
+        </a:xfrm>
+      </p:grpSpPr>
+      <p:sp>
+        <p:nvSpPr>
+          <p:cNvPr id="2" name="标题 1"/>
+          <p:cNvSpPr>
+            <a:spLocks noGrp="1"/>
+          </p:cNvSpPr>
+          <p:nvPr>
+            <p:ph type="title"/>
+          </p:nvPr>
+        </p:nvSpPr>
+        <p:spPr/>
+        <p:txBody>
+          <a:bodyPr/>
+          <a:lstStyle/>
+          <a:p>
+            <a:r>
+              <a:rPr lang="zh-CN" altLang="en-US" dirty="0" smtClean="0"/>
+              <a:t>支持事件类型</a:t>
+            </a:r>
+            <a:endParaRPr lang="zh-CN" altLang="en-US" dirty="0"/>
+          </a:p>
+        </p:txBody>
+      </p:sp>
+      <p:sp>
+        <p:nvSpPr>
+          <p:cNvPr id="3" name="内容占位符 2"/>
+          <p:cNvSpPr>
+            <a:spLocks noGrp="1"/>
+          </p:cNvSpPr>
+          <p:nvPr>
+            <p:ph idx="1"/>
+          </p:nvPr>
+        </p:nvSpPr>
+        <p:spPr/>
+        <p:txBody>
+          <a:bodyPr/>
+          <a:lstStyle/>
+          <a:p>
+            <a:r>
+              <a:rPr lang="en-US" altLang="zh-CN" dirty="0" smtClean="0"/>
+              <a:t>Click</a:t>
+            </a:r>
+          </a:p>
+          <a:p>
+            <a:r>
+              <a:rPr lang="en-US" altLang="zh-CN" dirty="0" err="1" smtClean="0"/>
+              <a:t>LongClick</a:t>
+            </a:r>
+            <a:endParaRPr lang="en-US" altLang="zh-CN" dirty="0" smtClean="0"/>
+          </a:p>
+          <a:p>
+            <a:r>
+              <a:rPr lang="en-US" altLang="zh-CN" dirty="0" smtClean="0"/>
+              <a:t>Draw</a:t>
+            </a:r>
+          </a:p>
+          <a:p>
+            <a:r>
+              <a:rPr lang="en-US" altLang="zh-CN" dirty="0" smtClean="0"/>
+              <a:t>Drag</a:t>
+            </a:r>
+          </a:p>
+          <a:p>
+            <a:r>
+              <a:rPr lang="en-US" altLang="zh-CN" dirty="0" err="1" smtClean="0"/>
+              <a:t>LayoutChange</a:t>
+            </a:r>
+            <a:endParaRPr lang="en-US" altLang="zh-CN" dirty="0" smtClean="0"/>
+          </a:p>
+          <a:p>
+            <a:r>
+              <a:rPr lang="en-US" altLang="zh-CN" dirty="0" err="1" smtClean="0"/>
+              <a:t>ScrollChange</a:t>
+            </a:r>
+            <a:endParaRPr lang="en-US" altLang="zh-CN" dirty="0" smtClean="0"/>
+          </a:p>
+          <a:p>
+            <a:r>
+              <a:rPr lang="en-US" altLang="zh-CN" dirty="0" err="1" smtClean="0"/>
+              <a:t>TextChange</a:t>
+            </a:r>
+            <a:endParaRPr lang="zh-CN" altLang="en-US" dirty="0"/>
+          </a:p>
+        </p:txBody>
+      </p:sp>
+    </p:spTree>
+    <p:extLst>
+      <p:ext uri="{BB962C8B-B14F-4D97-AF65-F5344CB8AC3E}">
+        <p14:creationId xmlns:p14="http://schemas.microsoft.com/office/powerpoint/2010/main" val="1206501600"/>
+      </p:ext>
+    </p:extLst>
+  </p:cSld>
+  <p:clrMapOvr>
+    <a:masterClrMapping/>
+  </p:clrMapOvr>
+</p:sld>
+</file>
+
+<file path=ppt/slides/slide36.xml><?xml version="1.0" encoding="utf-8"?>
+<p:sld xmlns:a="http://schemas.openxmlformats.org/drawingml/2006/main" xmlns:r="http://schemas.openxmlformats.org/officeDocument/2006/relationships" xmlns:p="http://schemas.openxmlformats.org/presentationml/2006/main">
+  <p:cSld>
+    <p:spTree>
+      <p:nvGrpSpPr>
+        <p:cNvPr id="1" name=""/>
+        <p:cNvGrpSpPr/>
+        <p:nvPr/>
+      </p:nvGrpSpPr>
+      <p:grpSpPr>
+        <a:xfrm>
+          <a:off x="0" y="0"/>
+          <a:ext cx="0" cy="0"/>
+          <a:chOff x="0" y="0"/>
+          <a:chExt cx="0" cy="0"/>
+        </a:xfrm>
+      </p:grpSpPr>
+      <p:sp>
+        <p:nvSpPr>
+          <p:cNvPr id="2" name="标题 1"/>
+          <p:cNvSpPr>
+            <a:spLocks noGrp="1"/>
+          </p:cNvSpPr>
+          <p:nvPr>
+            <p:ph type="title"/>
+          </p:nvPr>
+        </p:nvSpPr>
+        <p:spPr/>
+        <p:txBody>
+          <a:bodyPr/>
+          <a:lstStyle/>
+          <a:p>
+            <a:r>
+              <a:rPr lang="zh-CN" altLang="en-US" dirty="0" smtClean="0"/>
+              <a:t>经典案例</a:t>
+            </a:r>
+            <a:endParaRPr lang="zh-CN" altLang="en-US" dirty="0"/>
+          </a:p>
+        </p:txBody>
+      </p:sp>
+      <p:sp>
+        <p:nvSpPr>
+          <p:cNvPr id="3" name="内容占位符 2"/>
+          <p:cNvSpPr>
+            <a:spLocks noGrp="1"/>
+          </p:cNvSpPr>
+          <p:nvPr>
+            <p:ph idx="1"/>
+          </p:nvPr>
+        </p:nvSpPr>
+        <p:spPr/>
+        <p:txBody>
+          <a:bodyPr/>
+          <a:lstStyle/>
+          <a:p>
+            <a:r>
+              <a:rPr lang="zh-CN" altLang="en-US" dirty="0" smtClean="0"/>
+              <a:t>防连点</a:t>
+            </a:r>
+            <a:endParaRPr lang="en-US" altLang="zh-CN" dirty="0" smtClean="0"/>
+          </a:p>
+          <a:p>
+            <a:endParaRPr lang="en-US" altLang="zh-CN" dirty="0" smtClean="0"/>
+          </a:p>
+          <a:p>
+            <a:endParaRPr lang="en-US" altLang="zh-CN" dirty="0"/>
+          </a:p>
+          <a:p>
+            <a:r>
+              <a:rPr lang="zh-CN" altLang="en-US" dirty="0"/>
+              <a:t>输入</a:t>
+            </a:r>
+            <a:r>
+              <a:rPr lang="zh-CN" altLang="en-US" dirty="0" smtClean="0"/>
+              <a:t>框输入内容变化级联操作</a:t>
+            </a:r>
+            <a:endParaRPr lang="en-US" altLang="zh-CN" dirty="0" smtClean="0"/>
+          </a:p>
+          <a:p>
+            <a:endParaRPr lang="en-US" altLang="zh-CN" dirty="0"/>
+          </a:p>
+          <a:p>
+            <a:endParaRPr lang="en-US" altLang="zh-CN" dirty="0" smtClean="0"/>
+          </a:p>
+          <a:p>
+            <a:r>
+              <a:rPr lang="zh-CN" altLang="en-US" dirty="0"/>
+              <a:t>搜索</a:t>
+            </a:r>
+            <a:r>
+              <a:rPr lang="zh-CN" altLang="en-US" dirty="0" smtClean="0"/>
+              <a:t>框</a:t>
+            </a:r>
+            <a:r>
+              <a:rPr lang="zh-CN" altLang="en-US" smtClean="0"/>
+              <a:t>高频</a:t>
+            </a:r>
+            <a:r>
+              <a:rPr lang="zh-CN" altLang="en-US" smtClean="0"/>
+              <a:t>请求过滤</a:t>
+            </a:r>
+            <a:endParaRPr lang="en-US" altLang="zh-CN" dirty="0" smtClean="0"/>
+          </a:p>
+          <a:p>
+            <a:endParaRPr lang="zh-CN" altLang="en-US" dirty="0"/>
+          </a:p>
+        </p:txBody>
+      </p:sp>
+    </p:spTree>
+    <p:extLst>
+      <p:ext uri="{BB962C8B-B14F-4D97-AF65-F5344CB8AC3E}">
+        <p14:creationId xmlns:p14="http://schemas.microsoft.com/office/powerpoint/2010/main" val="3191594902"/>
+      </p:ext>
+    </p:extLst>
+  </p:cSld>
+  <p:clrMapOvr>
+    <a:masterClrMapping/>
+  </p:clrMapOvr>
+</p:sld>
+</file>
+
+<file path=ppt/slides/slide37.xml><?xml version="1.0" encoding="utf-8"?>
+<p:sld xmlns:a="http://schemas.openxmlformats.org/drawingml/2006/main" xmlns:r="http://schemas.openxmlformats.org/officeDocument/2006/relationships" xmlns:p="http://schemas.openxmlformats.org/presentationml/2006/main">
+  <p:cSld>
+    <p:spTree>
+      <p:nvGrpSpPr>
+        <p:cNvPr id="1" name=""/>
+        <p:cNvGrpSpPr/>
+        <p:nvPr/>
+      </p:nvGrpSpPr>
+      <p:grpSpPr>
+        <a:xfrm>
+          <a:off x="0" y="0"/>
+          <a:ext cx="0" cy="0"/>
+          <a:chOff x="0" y="0"/>
+          <a:chExt cx="0" cy="0"/>
+        </a:xfrm>
+      </p:grpSpPr>
+      <p:sp>
+        <p:nvSpPr>
+          <p:cNvPr id="2" name="标题 1"/>
+          <p:cNvSpPr>
+            <a:spLocks noGrp="1"/>
+          </p:cNvSpPr>
+          <p:nvPr>
+            <p:ph type="title"/>
+          </p:nvPr>
+        </p:nvSpPr>
+        <p:spPr/>
+        <p:txBody>
+          <a:bodyPr/>
+          <a:lstStyle/>
+          <a:p>
+            <a:r>
+              <a:rPr lang="en-US" altLang="zh-CN" dirty="0" err="1" smtClean="0"/>
+              <a:t>RxBus</a:t>
+            </a:r>
+            <a:endParaRPr lang="zh-CN" altLang="en-US" dirty="0"/>
+          </a:p>
+        </p:txBody>
+      </p:sp>
+      <p:sp>
+        <p:nvSpPr>
+          <p:cNvPr id="3" name="内容占位符 2"/>
+          <p:cNvSpPr>
+            <a:spLocks noGrp="1"/>
+          </p:cNvSpPr>
+          <p:nvPr>
+            <p:ph idx="1"/>
+          </p:nvPr>
+        </p:nvSpPr>
+        <p:spPr/>
+        <p:txBody>
+          <a:bodyPr/>
+          <a:lstStyle/>
+          <a:p>
+            <a:r>
+              <a:rPr lang="zh-CN" altLang="en-US" dirty="0" smtClean="0"/>
+              <a:t>什么是</a:t>
+            </a:r>
+            <a:r>
+              <a:rPr lang="en-US" altLang="zh-CN" dirty="0" err="1" smtClean="0"/>
+              <a:t>RxBus</a:t>
+            </a:r>
+            <a:endParaRPr lang="en-US" altLang="zh-CN" dirty="0" smtClean="0"/>
+          </a:p>
+          <a:p>
+            <a:r>
+              <a:rPr lang="en-US" altLang="zh-CN" dirty="0" err="1" smtClean="0"/>
+              <a:t>EventBus</a:t>
+            </a:r>
+            <a:r>
+              <a:rPr lang="zh-CN" altLang="en-US" dirty="0" smtClean="0"/>
+              <a:t> </a:t>
+            </a:r>
+            <a:r>
+              <a:rPr lang="en-US" altLang="zh-CN" dirty="0" err="1" smtClean="0"/>
+              <a:t>RxJava</a:t>
+            </a:r>
+            <a:r>
+              <a:rPr lang="zh-CN" altLang="en-US" dirty="0" smtClean="0"/>
+              <a:t>的</a:t>
+            </a:r>
+            <a:r>
+              <a:rPr lang="zh-CN" altLang="en-US" dirty="0" smtClean="0"/>
+              <a:t>实现</a:t>
+            </a:r>
+            <a:endParaRPr lang="en-US" altLang="zh-CN" dirty="0" smtClean="0"/>
+          </a:p>
+          <a:p>
+            <a:endParaRPr lang="en-US" altLang="zh-CN" dirty="0"/>
+          </a:p>
+          <a:p>
+            <a:pPr marL="0" indent="0">
+              <a:buNone/>
+            </a:pPr>
+            <a:endParaRPr lang="en-US" altLang="zh-CN" dirty="0"/>
+          </a:p>
+          <a:p>
+            <a:r>
+              <a:rPr lang="zh-CN" altLang="en-US" dirty="0" smtClean="0"/>
+              <a:t>能干什么？</a:t>
+            </a:r>
+            <a:endParaRPr lang="en-US" altLang="zh-CN" dirty="0" smtClean="0"/>
+          </a:p>
+          <a:p>
+            <a:r>
+              <a:rPr lang="zh-CN" altLang="en-US" dirty="0" smtClean="0"/>
+              <a:t>让组件之间沟通变的更简单</a:t>
+            </a:r>
+            <a:endParaRPr lang="en-US" altLang="zh-CN" dirty="0" smtClean="0"/>
+          </a:p>
+          <a:p>
+            <a:endParaRPr lang="en-US" altLang="zh-CN" dirty="0" smtClean="0"/>
+          </a:p>
+        </p:txBody>
+      </p:sp>
+    </p:spTree>
+    <p:extLst>
+      <p:ext uri="{BB962C8B-B14F-4D97-AF65-F5344CB8AC3E}">
+        <p14:creationId xmlns:p14="http://schemas.microsoft.com/office/powerpoint/2010/main" val="3838480792"/>
+      </p:ext>
+    </p:extLst>
+  </p:cSld>
+  <p:clrMapOvr>
+    <a:masterClrMapping/>
+  </p:clrMapOvr>
+</p:sld>
+</file>
+
+<file path=ppt/slides/slide38.xml><?xml version="1.0" encoding="utf-8"?>
+<p:sld xmlns:a="http://schemas.openxmlformats.org/drawingml/2006/main" xmlns:r="http://schemas.openxmlformats.org/officeDocument/2006/relationships" xmlns:p="http://schemas.openxmlformats.org/presentationml/2006/main">
+  <p:cSld>
+    <p:spTree>
+      <p:nvGrpSpPr>
+        <p:cNvPr id="1" name=""/>
+        <p:cNvGrpSpPr/>
+        <p:nvPr/>
+      </p:nvGrpSpPr>
+      <p:grpSpPr>
+        <a:xfrm>
+          <a:off x="0" y="0"/>
+          <a:ext cx="0" cy="0"/>
+          <a:chOff x="0" y="0"/>
+          <a:chExt cx="0" cy="0"/>
+        </a:xfrm>
+      </p:grpSpPr>
+      <p:sp>
+        <p:nvSpPr>
+          <p:cNvPr id="2" name="标题 1"/>
+          <p:cNvSpPr>
+            <a:spLocks noGrp="1"/>
+          </p:cNvSpPr>
+          <p:nvPr>
+            <p:ph type="title"/>
+          </p:nvPr>
+        </p:nvSpPr>
+        <p:spPr/>
+        <p:txBody>
+          <a:bodyPr/>
+          <a:lstStyle/>
+          <a:p>
+            <a:r>
+              <a:rPr lang="zh-CN" altLang="en-US" dirty="0" smtClean="0"/>
+              <a:t>功能简图</a:t>
+            </a:r>
+            <a:endParaRPr lang="zh-CN" altLang="en-US" dirty="0"/>
+          </a:p>
+        </p:txBody>
+      </p:sp>
+      <p:pic>
+        <p:nvPicPr>
+          <p:cNvPr id="1028" name="Picture 4" descr="https://github.com/greenrobot/EventBus/raw/master/EventBus-Publish-Subscribe.png"/>
+          <p:cNvPicPr>
+            <a:picLocks noGrp="1" noChangeAspect="1" noChangeArrowheads="1"/>
+          </p:cNvPicPr>
+          <p:nvPr>
+            <p:ph idx="1"/>
+          </p:nvPr>
+        </p:nvPicPr>
+        <p:blipFill>
+          <a:blip r:embed="rId2">
+            <a:extLst>
+              <a:ext uri="{28A0092B-C50C-407E-A947-70E740481C1C}">
+                <a14:useLocalDpi xmlns:a14="http://schemas.microsoft.com/office/drawing/2010/main" val="0"/>
+              </a:ext>
+            </a:extLst>
+          </a:blip>
+          <a:srcRect/>
+          <a:stretch>
+            <a:fillRect/>
+          </a:stretch>
+        </p:blipFill>
+        <p:spPr bwMode="auto">
+          <a:xfrm>
+            <a:off x="707571" y="2176231"/>
+            <a:ext cx="10515600" cy="3935134"/>
+          </a:xfrm>
+          <a:prstGeom prst="rect">
+            <a:avLst/>
+          </a:prstGeom>
+          <a:noFill/>
+          <a:extLst>
+            <a:ext uri="{909E8E84-426E-40DD-AFC4-6F175D3DCCD1}">
+              <a14:hiddenFill xmlns:a14="http://schemas.microsoft.com/office/drawing/2010/main">
+                <a:solidFill>
+                  <a:srgbClr val="FFFFFF"/>
+                </a:solidFill>
+              </a14:hiddenFill>
+            </a:ext>
+          </a:extLst>
+        </p:spPr>
+      </p:pic>
+    </p:spTree>
+    <p:extLst>
+      <p:ext uri="{BB962C8B-B14F-4D97-AF65-F5344CB8AC3E}">
+        <p14:creationId xmlns:p14="http://schemas.microsoft.com/office/powerpoint/2010/main" val="4131836420"/>
+      </p:ext>
+    </p:extLst>
+  </p:cSld>
+  <p:clrMapOvr>
+    <a:masterClrMapping/>
+  </p:clrMapOvr>
+</p:sld>
+</file>
+
+<file path=ppt/slides/slide39.xml><?xml version="1.0" encoding="utf-8"?>
+<p:sld xmlns:a="http://schemas.openxmlformats.org/drawingml/2006/main" xmlns:r="http://schemas.openxmlformats.org/officeDocument/2006/relationships" xmlns:p="http://schemas.openxmlformats.org/presentationml/2006/main">
+  <p:cSld>
+    <p:spTree>
+      <p:nvGrpSpPr>
+        <p:cNvPr id="1" name=""/>
+        <p:cNvGrpSpPr/>
+        <p:nvPr/>
+      </p:nvGrpSpPr>
+      <p:grpSpPr>
+        <a:xfrm>
+          <a:off x="0" y="0"/>
+          <a:ext cx="0" cy="0"/>
+          <a:chOff x="0" y="0"/>
+          <a:chExt cx="0" cy="0"/>
+        </a:xfrm>
+      </p:grpSpPr>
+      <p:sp>
+        <p:nvSpPr>
+          <p:cNvPr id="2" name="标题 1"/>
+          <p:cNvSpPr>
+            <a:spLocks noGrp="1"/>
+          </p:cNvSpPr>
+          <p:nvPr>
+            <p:ph type="title"/>
+          </p:nvPr>
+        </p:nvSpPr>
+        <p:spPr/>
+        <p:txBody>
+          <a:bodyPr/>
+          <a:lstStyle/>
+          <a:p>
+            <a:endParaRPr lang="zh-CN" altLang="en-US" dirty="0"/>
+          </a:p>
+        </p:txBody>
+      </p:sp>
+      <p:sp>
+        <p:nvSpPr>
+          <p:cNvPr id="3" name="内容占位符 2"/>
+          <p:cNvSpPr>
+            <a:spLocks noGrp="1"/>
+          </p:cNvSpPr>
+          <p:nvPr>
+            <p:ph idx="1"/>
+          </p:nvPr>
+        </p:nvSpPr>
+        <p:spPr/>
+        <p:txBody>
+          <a:bodyPr/>
+          <a:lstStyle/>
+          <a:p>
+            <a:endParaRPr lang="zh-CN" altLang="en-US" dirty="0"/>
+          </a:p>
+        </p:txBody>
+      </p:sp>
+    </p:spTree>
+    <p:extLst>
+      <p:ext uri="{BB962C8B-B14F-4D97-AF65-F5344CB8AC3E}">
+        <p14:creationId xmlns:p14="http://schemas.microsoft.com/office/powerpoint/2010/main" val="948909064"/>
+      </p:ext>
+    </p:extLst>
+  </p:cSld>
+  <p:clrMapOvr>
+    <a:masterClrMapping/>
+  </p:clrMapOvr>
+</p:sld>
+</file>
+
 <file path=ppt/slides/slide4.xml><?xml version="1.0" encoding="utf-8"?>
 <p:sld xmlns:a="http://schemas.openxmlformats.org/drawingml/2006/main" xmlns:r="http://schemas.openxmlformats.org/officeDocument/2006/relationships" xmlns:p="http://schemas.openxmlformats.org/presentationml/2006/main">
   <p:cSld>
@@ -8874,7 +9588,6 @@
               <a:rPr lang="zh-CN" altLang="en-US" dirty="0"/>
               <a:t>创建操作符</a:t>
             </a:r>
-            <a:endParaRPr lang="zh-CN" altLang="en-US" dirty="0"/>
           </a:p>
         </p:txBody>
       </p:sp>

--- a/res/rxJava.pptx
+++ b/res/rxJava.pptx
@@ -41,9 +41,11 @@
     <p:sldId id="291" r:id="rId35"/>
     <p:sldId id="293" r:id="rId36"/>
     <p:sldId id="294" r:id="rId37"/>
-    <p:sldId id="292" r:id="rId38"/>
-    <p:sldId id="295" r:id="rId39"/>
-    <p:sldId id="296" r:id="rId40"/>
+    <p:sldId id="297" r:id="rId38"/>
+    <p:sldId id="298" r:id="rId39"/>
+    <p:sldId id="292" r:id="rId40"/>
+    <p:sldId id="295" r:id="rId41"/>
+    <p:sldId id="296" r:id="rId42"/>
   </p:sldIdLst>
   <p:sldSz cx="12192000" cy="6858000"/>
   <p:notesSz cx="6858000" cy="9144000"/>
@@ -281,7 +283,7 @@
           <a:p>
             <a:fld id="{C876D7C8-2D9C-47F9-A128-B8D96E4C168A}" type="datetimeFigureOut">
               <a:rPr lang="zh-CN" altLang="en-US" smtClean="0"/>
-              <a:t>2018/11/6 Tuesday</a:t>
+              <a:t>2018/11/8 Thursday</a:t>
             </a:fld>
             <a:endParaRPr lang="zh-CN" altLang="en-US"/>
           </a:p>
@@ -451,7 +453,7 @@
           <a:p>
             <a:fld id="{C876D7C8-2D9C-47F9-A128-B8D96E4C168A}" type="datetimeFigureOut">
               <a:rPr lang="zh-CN" altLang="en-US" smtClean="0"/>
-              <a:t>2018/11/6 Tuesday</a:t>
+              <a:t>2018/11/8 Thursday</a:t>
             </a:fld>
             <a:endParaRPr lang="zh-CN" altLang="en-US"/>
           </a:p>
@@ -631,7 +633,7 @@
           <a:p>
             <a:fld id="{C876D7C8-2D9C-47F9-A128-B8D96E4C168A}" type="datetimeFigureOut">
               <a:rPr lang="zh-CN" altLang="en-US" smtClean="0"/>
-              <a:t>2018/11/6 Tuesday</a:t>
+              <a:t>2018/11/8 Thursday</a:t>
             </a:fld>
             <a:endParaRPr lang="zh-CN" altLang="en-US"/>
           </a:p>
@@ -801,7 +803,7 @@
           <a:p>
             <a:fld id="{C876D7C8-2D9C-47F9-A128-B8D96E4C168A}" type="datetimeFigureOut">
               <a:rPr lang="zh-CN" altLang="en-US" smtClean="0"/>
-              <a:t>2018/11/6 Tuesday</a:t>
+              <a:t>2018/11/8 Thursday</a:t>
             </a:fld>
             <a:endParaRPr lang="zh-CN" altLang="en-US"/>
           </a:p>
@@ -1047,7 +1049,7 @@
           <a:p>
             <a:fld id="{C876D7C8-2D9C-47F9-A128-B8D96E4C168A}" type="datetimeFigureOut">
               <a:rPr lang="zh-CN" altLang="en-US" smtClean="0"/>
-              <a:t>2018/11/6 Tuesday</a:t>
+              <a:t>2018/11/8 Thursday</a:t>
             </a:fld>
             <a:endParaRPr lang="zh-CN" altLang="en-US"/>
           </a:p>
@@ -1279,7 +1281,7 @@
           <a:p>
             <a:fld id="{C876D7C8-2D9C-47F9-A128-B8D96E4C168A}" type="datetimeFigureOut">
               <a:rPr lang="zh-CN" altLang="en-US" smtClean="0"/>
-              <a:t>2018/11/6 Tuesday</a:t>
+              <a:t>2018/11/8 Thursday</a:t>
             </a:fld>
             <a:endParaRPr lang="zh-CN" altLang="en-US"/>
           </a:p>
@@ -1646,7 +1648,7 @@
           <a:p>
             <a:fld id="{C876D7C8-2D9C-47F9-A128-B8D96E4C168A}" type="datetimeFigureOut">
               <a:rPr lang="zh-CN" altLang="en-US" smtClean="0"/>
-              <a:t>2018/11/6 Tuesday</a:t>
+              <a:t>2018/11/8 Thursday</a:t>
             </a:fld>
             <a:endParaRPr lang="zh-CN" altLang="en-US"/>
           </a:p>
@@ -1764,7 +1766,7 @@
           <a:p>
             <a:fld id="{C876D7C8-2D9C-47F9-A128-B8D96E4C168A}" type="datetimeFigureOut">
               <a:rPr lang="zh-CN" altLang="en-US" smtClean="0"/>
-              <a:t>2018/11/6 Tuesday</a:t>
+              <a:t>2018/11/8 Thursday</a:t>
             </a:fld>
             <a:endParaRPr lang="zh-CN" altLang="en-US"/>
           </a:p>
@@ -1859,7 +1861,7 @@
           <a:p>
             <a:fld id="{C876D7C8-2D9C-47F9-A128-B8D96E4C168A}" type="datetimeFigureOut">
               <a:rPr lang="zh-CN" altLang="en-US" smtClean="0"/>
-              <a:t>2018/11/6 Tuesday</a:t>
+              <a:t>2018/11/8 Thursday</a:t>
             </a:fld>
             <a:endParaRPr lang="zh-CN" altLang="en-US"/>
           </a:p>
@@ -2136,7 +2138,7 @@
           <a:p>
             <a:fld id="{C876D7C8-2D9C-47F9-A128-B8D96E4C168A}" type="datetimeFigureOut">
               <a:rPr lang="zh-CN" altLang="en-US" smtClean="0"/>
-              <a:t>2018/11/6 Tuesday</a:t>
+              <a:t>2018/11/8 Thursday</a:t>
             </a:fld>
             <a:endParaRPr lang="zh-CN" altLang="en-US"/>
           </a:p>
@@ -2389,7 +2391,7 @@
           <a:p>
             <a:fld id="{C876D7C8-2D9C-47F9-A128-B8D96E4C168A}" type="datetimeFigureOut">
               <a:rPr lang="zh-CN" altLang="en-US" smtClean="0"/>
-              <a:t>2018/11/6 Tuesday</a:t>
+              <a:t>2018/11/8 Thursday</a:t>
             </a:fld>
             <a:endParaRPr lang="zh-CN" altLang="en-US"/>
           </a:p>
@@ -2602,7 +2604,7 @@
           <a:p>
             <a:fld id="{C876D7C8-2D9C-47F9-A128-B8D96E4C168A}" type="datetimeFigureOut">
               <a:rPr lang="zh-CN" altLang="en-US" smtClean="0"/>
-              <a:t>2018/11/6 Tuesday</a:t>
+              <a:t>2018/11/8 Thursday</a:t>
             </a:fld>
             <a:endParaRPr lang="zh-CN" altLang="en-US"/>
           </a:p>
@@ -8724,15 +8726,7 @@
             </a:r>
             <a:r>
               <a:rPr lang="zh-CN" altLang="en-US" dirty="0" smtClean="0"/>
-              <a:t>框</a:t>
-            </a:r>
-            <a:r>
-              <a:rPr lang="zh-CN" altLang="en-US" smtClean="0"/>
-              <a:t>高频</a:t>
-            </a:r>
-            <a:r>
-              <a:rPr lang="zh-CN" altLang="en-US" smtClean="0"/>
-              <a:t>请求过滤</a:t>
+              <a:t>框高频请求过滤</a:t>
             </a:r>
             <a:endParaRPr lang="en-US" altLang="zh-CN" dirty="0" smtClean="0"/>
           </a:p>
@@ -8787,6 +8781,205 @@
           <a:lstStyle/>
           <a:p>
             <a:r>
+              <a:rPr lang="zh-CN" altLang="en-US" b="1" dirty="0" smtClean="0"/>
+              <a:t>可连接操作符</a:t>
+            </a:r>
+            <a:endParaRPr lang="en-US" altLang="zh-CN" b="1" dirty="0"/>
+          </a:p>
+        </p:txBody>
+      </p:sp>
+      <p:pic>
+        <p:nvPicPr>
+          <p:cNvPr id="1026" name="Picture 2" descr="https://github.com/ReactiveX/RxJava/wiki/images/rx-operators/publishConnect.png"/>
+          <p:cNvPicPr>
+            <a:picLocks noGrp="1" noChangeAspect="1" noChangeArrowheads="1"/>
+          </p:cNvPicPr>
+          <p:nvPr>
+            <p:ph idx="1"/>
+          </p:nvPr>
+        </p:nvPicPr>
+        <p:blipFill>
+          <a:blip r:embed="rId2">
+            <a:extLst>
+              <a:ext uri="{28A0092B-C50C-407E-A947-70E740481C1C}">
+                <a14:useLocalDpi xmlns:a14="http://schemas.microsoft.com/office/drawing/2010/main" val="0"/>
+              </a:ext>
+            </a:extLst>
+          </a:blip>
+          <a:srcRect/>
+          <a:stretch>
+            <a:fillRect/>
+          </a:stretch>
+        </p:blipFill>
+        <p:spPr bwMode="auto">
+          <a:xfrm>
+            <a:off x="3365749" y="1825625"/>
+            <a:ext cx="5460502" cy="4351338"/>
+          </a:xfrm>
+          <a:prstGeom prst="rect">
+            <a:avLst/>
+          </a:prstGeom>
+          <a:noFill/>
+          <a:extLst>
+            <a:ext uri="{909E8E84-426E-40DD-AFC4-6F175D3DCCD1}">
+              <a14:hiddenFill xmlns:a14="http://schemas.microsoft.com/office/drawing/2010/main">
+                <a:solidFill>
+                  <a:srgbClr val="FFFFFF"/>
+                </a:solidFill>
+              </a14:hiddenFill>
+            </a:ext>
+          </a:extLst>
+        </p:spPr>
+      </p:pic>
+    </p:spTree>
+    <p:extLst>
+      <p:ext uri="{BB962C8B-B14F-4D97-AF65-F5344CB8AC3E}">
+        <p14:creationId xmlns:p14="http://schemas.microsoft.com/office/powerpoint/2010/main" val="2352503040"/>
+      </p:ext>
+    </p:extLst>
+  </p:cSld>
+  <p:clrMapOvr>
+    <a:masterClrMapping/>
+  </p:clrMapOvr>
+</p:sld>
+</file>
+
+<file path=ppt/slides/slide38.xml><?xml version="1.0" encoding="utf-8"?>
+<p:sld xmlns:a="http://schemas.openxmlformats.org/drawingml/2006/main" xmlns:r="http://schemas.openxmlformats.org/officeDocument/2006/relationships" xmlns:p="http://schemas.openxmlformats.org/presentationml/2006/main">
+  <p:cSld>
+    <p:spTree>
+      <p:nvGrpSpPr>
+        <p:cNvPr id="1" name=""/>
+        <p:cNvGrpSpPr/>
+        <p:nvPr/>
+      </p:nvGrpSpPr>
+      <p:grpSpPr>
+        <a:xfrm>
+          <a:off x="0" y="0"/>
+          <a:ext cx="0" cy="0"/>
+          <a:chOff x="0" y="0"/>
+          <a:chExt cx="0" cy="0"/>
+        </a:xfrm>
+      </p:grpSpPr>
+      <p:sp>
+        <p:nvSpPr>
+          <p:cNvPr id="2" name="标题 1"/>
+          <p:cNvSpPr>
+            <a:spLocks noGrp="1"/>
+          </p:cNvSpPr>
+          <p:nvPr>
+            <p:ph type="title"/>
+          </p:nvPr>
+        </p:nvSpPr>
+        <p:spPr/>
+        <p:txBody>
+          <a:bodyPr/>
+          <a:lstStyle/>
+          <a:p>
+            <a:r>
+              <a:rPr lang="zh-CN" altLang="en-US" dirty="0" smtClean="0"/>
+              <a:t>可连接操作符</a:t>
+            </a:r>
+            <a:endParaRPr lang="zh-CN" altLang="en-US" dirty="0"/>
+          </a:p>
+        </p:txBody>
+      </p:sp>
+      <p:sp>
+        <p:nvSpPr>
+          <p:cNvPr id="3" name="内容占位符 2"/>
+          <p:cNvSpPr>
+            <a:spLocks noGrp="1"/>
+          </p:cNvSpPr>
+          <p:nvPr>
+            <p:ph idx="1"/>
+          </p:nvPr>
+        </p:nvSpPr>
+        <p:spPr/>
+        <p:txBody>
+          <a:bodyPr/>
+          <a:lstStyle/>
+          <a:p>
+            <a:r>
+              <a:rPr lang="en-US" altLang="zh-CN" b="1" dirty="0"/>
+              <a:t>Publish</a:t>
+            </a:r>
+          </a:p>
+          <a:p>
+            <a:endParaRPr lang="en-US" altLang="zh-CN" dirty="0" smtClean="0"/>
+          </a:p>
+          <a:p>
+            <a:endParaRPr lang="en-US" altLang="zh-CN" dirty="0"/>
+          </a:p>
+          <a:p>
+            <a:r>
+              <a:rPr lang="en-US" altLang="zh-CN" b="1" dirty="0" err="1"/>
+              <a:t>RefCount</a:t>
+            </a:r>
+            <a:endParaRPr lang="en-US" altLang="zh-CN" b="1" dirty="0"/>
+          </a:p>
+          <a:p>
+            <a:endParaRPr lang="en-US" altLang="zh-CN" dirty="0" smtClean="0"/>
+          </a:p>
+          <a:p>
+            <a:endParaRPr lang="en-US" altLang="zh-CN" dirty="0"/>
+          </a:p>
+          <a:p>
+            <a:r>
+              <a:rPr lang="en-US" altLang="zh-CN" b="1" dirty="0"/>
+              <a:t>Replay</a:t>
+            </a:r>
+          </a:p>
+          <a:p>
+            <a:endParaRPr lang="zh-CN" altLang="en-US" dirty="0"/>
+          </a:p>
+        </p:txBody>
+      </p:sp>
+    </p:spTree>
+    <p:extLst>
+      <p:ext uri="{BB962C8B-B14F-4D97-AF65-F5344CB8AC3E}">
+        <p14:creationId xmlns:p14="http://schemas.microsoft.com/office/powerpoint/2010/main" val="3647628667"/>
+      </p:ext>
+    </p:extLst>
+  </p:cSld>
+  <p:clrMapOvr>
+    <a:masterClrMapping/>
+  </p:clrMapOvr>
+</p:sld>
+</file>
+
+<file path=ppt/slides/slide39.xml><?xml version="1.0" encoding="utf-8"?>
+<p:sld xmlns:a="http://schemas.openxmlformats.org/drawingml/2006/main" xmlns:r="http://schemas.openxmlformats.org/officeDocument/2006/relationships" xmlns:p="http://schemas.openxmlformats.org/presentationml/2006/main">
+  <p:cSld>
+    <p:spTree>
+      <p:nvGrpSpPr>
+        <p:cNvPr id="1" name=""/>
+        <p:cNvGrpSpPr/>
+        <p:nvPr/>
+      </p:nvGrpSpPr>
+      <p:grpSpPr>
+        <a:xfrm>
+          <a:off x="0" y="0"/>
+          <a:ext cx="0" cy="0"/>
+          <a:chOff x="0" y="0"/>
+          <a:chExt cx="0" cy="0"/>
+        </a:xfrm>
+      </p:grpSpPr>
+      <p:sp>
+        <p:nvSpPr>
+          <p:cNvPr id="2" name="标题 1"/>
+          <p:cNvSpPr>
+            <a:spLocks noGrp="1"/>
+          </p:cNvSpPr>
+          <p:nvPr>
+            <p:ph type="title"/>
+          </p:nvPr>
+        </p:nvSpPr>
+        <p:spPr/>
+        <p:txBody>
+          <a:bodyPr/>
+          <a:lstStyle/>
+          <a:p>
+            <a:r>
               <a:rPr lang="en-US" altLang="zh-CN" dirty="0" err="1" smtClean="0"/>
               <a:t>RxBus</a:t>
             </a:r>
@@ -8834,11 +9027,7 @@
             </a:r>
             <a:r>
               <a:rPr lang="zh-CN" altLang="en-US" dirty="0" smtClean="0"/>
-              <a:t>的</a:t>
-            </a:r>
-            <a:r>
-              <a:rPr lang="zh-CN" altLang="en-US" dirty="0" smtClean="0"/>
-              <a:t>实现</a:t>
+              <a:t>的实现</a:t>
             </a:r>
             <a:endParaRPr lang="en-US" altLang="zh-CN" dirty="0" smtClean="0"/>
           </a:p>
@@ -8883,7 +9072,116 @@
 </p:sld>
 </file>
 
-<file path=ppt/slides/slide38.xml><?xml version="1.0" encoding="utf-8"?>
+<file path=ppt/slides/slide4.xml><?xml version="1.0" encoding="utf-8"?>
+<p:sld xmlns:a="http://schemas.openxmlformats.org/drawingml/2006/main" xmlns:r="http://schemas.openxmlformats.org/officeDocument/2006/relationships" xmlns:p="http://schemas.openxmlformats.org/presentationml/2006/main">
+  <p:cSld>
+    <p:spTree>
+      <p:nvGrpSpPr>
+        <p:cNvPr id="1" name=""/>
+        <p:cNvGrpSpPr/>
+        <p:nvPr/>
+      </p:nvGrpSpPr>
+      <p:grpSpPr>
+        <a:xfrm>
+          <a:off x="0" y="0"/>
+          <a:ext cx="0" cy="0"/>
+          <a:chOff x="0" y="0"/>
+          <a:chExt cx="0" cy="0"/>
+        </a:xfrm>
+      </p:grpSpPr>
+      <p:sp>
+        <p:nvSpPr>
+          <p:cNvPr id="2" name="标题 1"/>
+          <p:cNvSpPr>
+            <a:spLocks noGrp="1"/>
+          </p:cNvSpPr>
+          <p:nvPr>
+            <p:ph type="title"/>
+          </p:nvPr>
+        </p:nvSpPr>
+        <p:spPr/>
+        <p:txBody>
+          <a:bodyPr/>
+          <a:lstStyle/>
+          <a:p>
+            <a:r>
+              <a:rPr lang="zh-CN" altLang="en-US" dirty="0" smtClean="0"/>
+              <a:t>模拟股票价位展示</a:t>
+            </a:r>
+            <a:endParaRPr lang="zh-CN" altLang="en-US" dirty="0"/>
+          </a:p>
+        </p:txBody>
+      </p:sp>
+      <p:sp>
+        <p:nvSpPr>
+          <p:cNvPr id="3" name="内容占位符 2"/>
+          <p:cNvSpPr>
+            <a:spLocks noGrp="1"/>
+          </p:cNvSpPr>
+          <p:nvPr>
+            <p:ph idx="1"/>
+          </p:nvPr>
+        </p:nvSpPr>
+        <p:spPr/>
+        <p:txBody>
+          <a:bodyPr/>
+          <a:lstStyle/>
+          <a:p>
+            <a:pPr marL="0" indent="0">
+              <a:buNone/>
+            </a:pPr>
+            <a:r>
+              <a:rPr lang="en-US" altLang="zh-CN" dirty="0" smtClean="0"/>
+              <a:t>1.1000</a:t>
+            </a:r>
+            <a:r>
+              <a:rPr lang="zh-CN" altLang="en-US" dirty="0" smtClean="0"/>
+              <a:t>毫秒内随机生成一个</a:t>
+            </a:r>
+            <a:r>
+              <a:rPr lang="en-US" altLang="zh-CN" dirty="0" smtClean="0"/>
+              <a:t>100</a:t>
+            </a:r>
+            <a:r>
+              <a:rPr lang="zh-CN" altLang="en-US" dirty="0" smtClean="0"/>
+              <a:t>以内的股票价位</a:t>
+            </a:r>
+            <a:endParaRPr lang="en-US" altLang="zh-CN" dirty="0" smtClean="0"/>
+          </a:p>
+          <a:p>
+            <a:pPr marL="0" indent="0">
+              <a:buNone/>
+            </a:pPr>
+            <a:r>
+              <a:rPr lang="en-US" altLang="zh-CN" dirty="0" smtClean="0"/>
+              <a:t>2.</a:t>
+            </a:r>
+            <a:r>
+              <a:rPr lang="zh-CN" altLang="en-US" dirty="0"/>
+              <a:t>每隔</a:t>
+            </a:r>
+            <a:r>
+              <a:rPr lang="zh-CN" altLang="en-US" dirty="0" smtClean="0"/>
+              <a:t>两秒展示最近一次生成的股票价位</a:t>
+            </a:r>
+            <a:endParaRPr lang="zh-CN" altLang="en-US" dirty="0"/>
+          </a:p>
+        </p:txBody>
+      </p:sp>
+    </p:spTree>
+    <p:extLst>
+      <p:ext uri="{BB962C8B-B14F-4D97-AF65-F5344CB8AC3E}">
+        <p14:creationId xmlns:p14="http://schemas.microsoft.com/office/powerpoint/2010/main" val="63527403"/>
+      </p:ext>
+    </p:extLst>
+  </p:cSld>
+  <p:clrMapOvr>
+    <a:masterClrMapping/>
+  </p:clrMapOvr>
+</p:sld>
+</file>
+
+<file path=ppt/slides/slide40.xml><?xml version="1.0" encoding="utf-8"?>
 <p:sld xmlns:a="http://schemas.openxmlformats.org/drawingml/2006/main" xmlns:r="http://schemas.openxmlformats.org/officeDocument/2006/relationships" xmlns:p="http://schemas.openxmlformats.org/presentationml/2006/main">
   <p:cSld>
     <p:spTree>
@@ -8979,7 +9277,7 @@
 </p:sld>
 </file>
 
-<file path=ppt/slides/slide39.xml><?xml version="1.0" encoding="utf-8"?>
+<file path=ppt/slides/slide41.xml><?xml version="1.0" encoding="utf-8"?>
 <p:sld xmlns:a="http://schemas.openxmlformats.org/drawingml/2006/main" xmlns:r="http://schemas.openxmlformats.org/officeDocument/2006/relationships" xmlns:p="http://schemas.openxmlformats.org/presentationml/2006/main">
   <p:cSld>
     <p:spTree>
@@ -9038,115 +9336,6 @@
     <p:extLst>
       <p:ext uri="{BB962C8B-B14F-4D97-AF65-F5344CB8AC3E}">
         <p14:creationId xmlns:p14="http://schemas.microsoft.com/office/powerpoint/2010/main" val="948909064"/>
-      </p:ext>
-    </p:extLst>
-  </p:cSld>
-  <p:clrMapOvr>
-    <a:masterClrMapping/>
-  </p:clrMapOvr>
-</p:sld>
-</file>
-
-<file path=ppt/slides/slide4.xml><?xml version="1.0" encoding="utf-8"?>
-<p:sld xmlns:a="http://schemas.openxmlformats.org/drawingml/2006/main" xmlns:r="http://schemas.openxmlformats.org/officeDocument/2006/relationships" xmlns:p="http://schemas.openxmlformats.org/presentationml/2006/main">
-  <p:cSld>
-    <p:spTree>
-      <p:nvGrpSpPr>
-        <p:cNvPr id="1" name=""/>
-        <p:cNvGrpSpPr/>
-        <p:nvPr/>
-      </p:nvGrpSpPr>
-      <p:grpSpPr>
-        <a:xfrm>
-          <a:off x="0" y="0"/>
-          <a:ext cx="0" cy="0"/>
-          <a:chOff x="0" y="0"/>
-          <a:chExt cx="0" cy="0"/>
-        </a:xfrm>
-      </p:grpSpPr>
-      <p:sp>
-        <p:nvSpPr>
-          <p:cNvPr id="2" name="标题 1"/>
-          <p:cNvSpPr>
-            <a:spLocks noGrp="1"/>
-          </p:cNvSpPr>
-          <p:nvPr>
-            <p:ph type="title"/>
-          </p:nvPr>
-        </p:nvSpPr>
-        <p:spPr/>
-        <p:txBody>
-          <a:bodyPr/>
-          <a:lstStyle/>
-          <a:p>
-            <a:r>
-              <a:rPr lang="zh-CN" altLang="en-US" dirty="0" smtClean="0"/>
-              <a:t>模拟股票价位展示</a:t>
-            </a:r>
-            <a:endParaRPr lang="zh-CN" altLang="en-US" dirty="0"/>
-          </a:p>
-        </p:txBody>
-      </p:sp>
-      <p:sp>
-        <p:nvSpPr>
-          <p:cNvPr id="3" name="内容占位符 2"/>
-          <p:cNvSpPr>
-            <a:spLocks noGrp="1"/>
-          </p:cNvSpPr>
-          <p:nvPr>
-            <p:ph idx="1"/>
-          </p:nvPr>
-        </p:nvSpPr>
-        <p:spPr/>
-        <p:txBody>
-          <a:bodyPr/>
-          <a:lstStyle/>
-          <a:p>
-            <a:pPr marL="0" indent="0">
-              <a:buNone/>
-            </a:pPr>
-            <a:r>
-              <a:rPr lang="en-US" altLang="zh-CN" dirty="0" smtClean="0"/>
-              <a:t>1.1000</a:t>
-            </a:r>
-            <a:r>
-              <a:rPr lang="zh-CN" altLang="en-US" dirty="0" smtClean="0"/>
-              <a:t>毫秒内随机生成一个</a:t>
-            </a:r>
-            <a:r>
-              <a:rPr lang="en-US" altLang="zh-CN" dirty="0" smtClean="0"/>
-              <a:t>100</a:t>
-            </a:r>
-            <a:r>
-              <a:rPr lang="zh-CN" altLang="en-US" dirty="0" smtClean="0"/>
-              <a:t>以内的股票价位</a:t>
-            </a:r>
-            <a:endParaRPr lang="en-US" altLang="zh-CN" dirty="0" smtClean="0"/>
-          </a:p>
-          <a:p>
-            <a:pPr marL="0" indent="0">
-              <a:buNone/>
-            </a:pPr>
-            <a:r>
-              <a:rPr lang="en-US" altLang="zh-CN" dirty="0" smtClean="0"/>
-              <a:t>2.</a:t>
-            </a:r>
-            <a:r>
-              <a:rPr lang="zh-CN" altLang="en-US" dirty="0"/>
-              <a:t>每隔</a:t>
-            </a:r>
-            <a:r>
-              <a:rPr lang="zh-CN" altLang="en-US" dirty="0" smtClean="0"/>
-              <a:t>两秒展示最近一次生成的股票价位</a:t>
-            </a:r>
-            <a:endParaRPr lang="zh-CN" altLang="en-US" dirty="0"/>
-          </a:p>
-        </p:txBody>
-      </p:sp>
-    </p:spTree>
-    <p:extLst>
-      <p:ext uri="{BB962C8B-B14F-4D97-AF65-F5344CB8AC3E}">
-        <p14:creationId xmlns:p14="http://schemas.microsoft.com/office/powerpoint/2010/main" val="63527403"/>
       </p:ext>
     </p:extLst>
   </p:cSld>

--- a/res/rxJava.pptx
+++ b/res/rxJava.pptx
@@ -43,9 +43,11 @@
     <p:sldId id="294" r:id="rId37"/>
     <p:sldId id="297" r:id="rId38"/>
     <p:sldId id="298" r:id="rId39"/>
-    <p:sldId id="292" r:id="rId40"/>
-    <p:sldId id="295" r:id="rId41"/>
-    <p:sldId id="296" r:id="rId42"/>
+    <p:sldId id="300" r:id="rId40"/>
+    <p:sldId id="299" r:id="rId41"/>
+    <p:sldId id="292" r:id="rId42"/>
+    <p:sldId id="295" r:id="rId43"/>
+    <p:sldId id="296" r:id="rId44"/>
   </p:sldIdLst>
   <p:sldSz cx="12192000" cy="6858000"/>
   <p:notesSz cx="6858000" cy="9144000"/>
@@ -283,7 +285,7 @@
           <a:p>
             <a:fld id="{C876D7C8-2D9C-47F9-A128-B8D96E4C168A}" type="datetimeFigureOut">
               <a:rPr lang="zh-CN" altLang="en-US" smtClean="0"/>
-              <a:t>2018/11/8 Thursday</a:t>
+              <a:t>2018/11/20 Tuesday</a:t>
             </a:fld>
             <a:endParaRPr lang="zh-CN" altLang="en-US"/>
           </a:p>
@@ -453,7 +455,7 @@
           <a:p>
             <a:fld id="{C876D7C8-2D9C-47F9-A128-B8D96E4C168A}" type="datetimeFigureOut">
               <a:rPr lang="zh-CN" altLang="en-US" smtClean="0"/>
-              <a:t>2018/11/8 Thursday</a:t>
+              <a:t>2018/11/20 Tuesday</a:t>
             </a:fld>
             <a:endParaRPr lang="zh-CN" altLang="en-US"/>
           </a:p>
@@ -633,7 +635,7 @@
           <a:p>
             <a:fld id="{C876D7C8-2D9C-47F9-A128-B8D96E4C168A}" type="datetimeFigureOut">
               <a:rPr lang="zh-CN" altLang="en-US" smtClean="0"/>
-              <a:t>2018/11/8 Thursday</a:t>
+              <a:t>2018/11/20 Tuesday</a:t>
             </a:fld>
             <a:endParaRPr lang="zh-CN" altLang="en-US"/>
           </a:p>
@@ -803,7 +805,7 @@
           <a:p>
             <a:fld id="{C876D7C8-2D9C-47F9-A128-B8D96E4C168A}" type="datetimeFigureOut">
               <a:rPr lang="zh-CN" altLang="en-US" smtClean="0"/>
-              <a:t>2018/11/8 Thursday</a:t>
+              <a:t>2018/11/20 Tuesday</a:t>
             </a:fld>
             <a:endParaRPr lang="zh-CN" altLang="en-US"/>
           </a:p>
@@ -1049,7 +1051,7 @@
           <a:p>
             <a:fld id="{C876D7C8-2D9C-47F9-A128-B8D96E4C168A}" type="datetimeFigureOut">
               <a:rPr lang="zh-CN" altLang="en-US" smtClean="0"/>
-              <a:t>2018/11/8 Thursday</a:t>
+              <a:t>2018/11/20 Tuesday</a:t>
             </a:fld>
             <a:endParaRPr lang="zh-CN" altLang="en-US"/>
           </a:p>
@@ -1281,7 +1283,7 @@
           <a:p>
             <a:fld id="{C876D7C8-2D9C-47F9-A128-B8D96E4C168A}" type="datetimeFigureOut">
               <a:rPr lang="zh-CN" altLang="en-US" smtClean="0"/>
-              <a:t>2018/11/8 Thursday</a:t>
+              <a:t>2018/11/20 Tuesday</a:t>
             </a:fld>
             <a:endParaRPr lang="zh-CN" altLang="en-US"/>
           </a:p>
@@ -1648,7 +1650,7 @@
           <a:p>
             <a:fld id="{C876D7C8-2D9C-47F9-A128-B8D96E4C168A}" type="datetimeFigureOut">
               <a:rPr lang="zh-CN" altLang="en-US" smtClean="0"/>
-              <a:t>2018/11/8 Thursday</a:t>
+              <a:t>2018/11/20 Tuesday</a:t>
             </a:fld>
             <a:endParaRPr lang="zh-CN" altLang="en-US"/>
           </a:p>
@@ -1766,7 +1768,7 @@
           <a:p>
             <a:fld id="{C876D7C8-2D9C-47F9-A128-B8D96E4C168A}" type="datetimeFigureOut">
               <a:rPr lang="zh-CN" altLang="en-US" smtClean="0"/>
-              <a:t>2018/11/8 Thursday</a:t>
+              <a:t>2018/11/20 Tuesday</a:t>
             </a:fld>
             <a:endParaRPr lang="zh-CN" altLang="en-US"/>
           </a:p>
@@ -1861,7 +1863,7 @@
           <a:p>
             <a:fld id="{C876D7C8-2D9C-47F9-A128-B8D96E4C168A}" type="datetimeFigureOut">
               <a:rPr lang="zh-CN" altLang="en-US" smtClean="0"/>
-              <a:t>2018/11/8 Thursday</a:t>
+              <a:t>2018/11/20 Tuesday</a:t>
             </a:fld>
             <a:endParaRPr lang="zh-CN" altLang="en-US"/>
           </a:p>
@@ -2138,7 +2140,7 @@
           <a:p>
             <a:fld id="{C876D7C8-2D9C-47F9-A128-B8D96E4C168A}" type="datetimeFigureOut">
               <a:rPr lang="zh-CN" altLang="en-US" smtClean="0"/>
-              <a:t>2018/11/8 Thursday</a:t>
+              <a:t>2018/11/20 Tuesday</a:t>
             </a:fld>
             <a:endParaRPr lang="zh-CN" altLang="en-US"/>
           </a:p>
@@ -2391,7 +2393,7 @@
           <a:p>
             <a:fld id="{C876D7C8-2D9C-47F9-A128-B8D96E4C168A}" type="datetimeFigureOut">
               <a:rPr lang="zh-CN" altLang="en-US" smtClean="0"/>
-              <a:t>2018/11/8 Thursday</a:t>
+              <a:t>2018/11/20 Tuesday</a:t>
             </a:fld>
             <a:endParaRPr lang="zh-CN" altLang="en-US"/>
           </a:p>
@@ -2604,7 +2606,7 @@
           <a:p>
             <a:fld id="{C876D7C8-2D9C-47F9-A128-B8D96E4C168A}" type="datetimeFigureOut">
               <a:rPr lang="zh-CN" altLang="en-US" smtClean="0"/>
-              <a:t>2018/11/8 Thursday</a:t>
+              <a:t>2018/11/20 Tuesday</a:t>
             </a:fld>
             <a:endParaRPr lang="zh-CN" altLang="en-US"/>
           </a:p>
@@ -8980,81 +8982,48 @@
           <a:lstStyle/>
           <a:p>
             <a:r>
+              <a:rPr lang="en-US" altLang="zh-CN" dirty="0" smtClean="0"/>
+              <a:t>Subject</a:t>
+            </a:r>
+            <a:endParaRPr lang="zh-CN" altLang="en-US" dirty="0"/>
+          </a:p>
+        </p:txBody>
+      </p:sp>
+      <p:sp>
+        <p:nvSpPr>
+          <p:cNvPr id="3" name="内容占位符 2"/>
+          <p:cNvSpPr>
+            <a:spLocks noGrp="1"/>
+          </p:cNvSpPr>
+          <p:nvPr>
+            <p:ph idx="1"/>
+          </p:nvPr>
+        </p:nvSpPr>
+        <p:spPr/>
+        <p:txBody>
+          <a:bodyPr/>
+          <a:lstStyle/>
+          <a:p>
+            <a:r>
               <a:rPr lang="en-US" altLang="zh-CN" dirty="0" err="1" smtClean="0"/>
-              <a:t>RxBus</a:t>
-            </a:r>
-            <a:endParaRPr lang="zh-CN" altLang="en-US" dirty="0"/>
-          </a:p>
-        </p:txBody>
-      </p:sp>
-      <p:sp>
-        <p:nvSpPr>
-          <p:cNvPr id="3" name="内容占位符 2"/>
-          <p:cNvSpPr>
-            <a:spLocks noGrp="1"/>
-          </p:cNvSpPr>
-          <p:nvPr>
-            <p:ph idx="1"/>
-          </p:nvPr>
-        </p:nvSpPr>
-        <p:spPr/>
-        <p:txBody>
-          <a:bodyPr/>
-          <a:lstStyle/>
-          <a:p>
-            <a:r>
-              <a:rPr lang="zh-CN" altLang="en-US" dirty="0" smtClean="0"/>
-              <a:t>什么是</a:t>
-            </a:r>
+              <a:t>PublishSubject</a:t>
+            </a:r>
+            <a:endParaRPr lang="en-US" altLang="zh-CN" dirty="0" smtClean="0"/>
+          </a:p>
+          <a:p>
+            <a:endParaRPr lang="en-US" altLang="zh-CN" dirty="0"/>
+          </a:p>
+          <a:p>
+            <a:endParaRPr lang="en-US" altLang="zh-CN" dirty="0" smtClean="0"/>
+          </a:p>
+          <a:p>
+            <a:endParaRPr lang="en-US" altLang="zh-CN" dirty="0"/>
+          </a:p>
+          <a:p>
             <a:r>
               <a:rPr lang="en-US" altLang="zh-CN" dirty="0" err="1" smtClean="0"/>
-              <a:t>RxBus</a:t>
-            </a:r>
-            <a:endParaRPr lang="en-US" altLang="zh-CN" dirty="0" smtClean="0"/>
-          </a:p>
-          <a:p>
-            <a:r>
-              <a:rPr lang="en-US" altLang="zh-CN" dirty="0" err="1" smtClean="0"/>
-              <a:t>EventBus</a:t>
-            </a:r>
-            <a:r>
-              <a:rPr lang="zh-CN" altLang="en-US" dirty="0" smtClean="0"/>
-              <a:t> </a:t>
-            </a:r>
-            <a:r>
-              <a:rPr lang="en-US" altLang="zh-CN" dirty="0" err="1" smtClean="0"/>
-              <a:t>RxJava</a:t>
-            </a:r>
-            <a:r>
-              <a:rPr lang="zh-CN" altLang="en-US" dirty="0" smtClean="0"/>
-              <a:t>的实现</a:t>
-            </a:r>
-            <a:endParaRPr lang="en-US" altLang="zh-CN" dirty="0" smtClean="0"/>
-          </a:p>
-          <a:p>
-            <a:endParaRPr lang="en-US" altLang="zh-CN" dirty="0"/>
-          </a:p>
-          <a:p>
-            <a:pPr marL="0" indent="0">
-              <a:buNone/>
-            </a:pPr>
-            <a:endParaRPr lang="en-US" altLang="zh-CN" dirty="0"/>
-          </a:p>
-          <a:p>
-            <a:r>
-              <a:rPr lang="zh-CN" altLang="en-US" dirty="0" smtClean="0"/>
-              <a:t>能干什么？</a:t>
-            </a:r>
-            <a:endParaRPr lang="en-US" altLang="zh-CN" dirty="0" smtClean="0"/>
-          </a:p>
-          <a:p>
-            <a:r>
-              <a:rPr lang="zh-CN" altLang="en-US" dirty="0" smtClean="0"/>
-              <a:t>让组件之间沟通变的更简单</a:t>
-            </a:r>
-            <a:endParaRPr lang="en-US" altLang="zh-CN" dirty="0" smtClean="0"/>
-          </a:p>
-          <a:p>
+              <a:t>ReplaySubject</a:t>
+            </a:r>
             <a:endParaRPr lang="en-US" altLang="zh-CN" dirty="0" smtClean="0"/>
           </a:p>
         </p:txBody>
@@ -9062,7 +9031,7 @@
     </p:spTree>
     <p:extLst>
       <p:ext uri="{BB962C8B-B14F-4D97-AF65-F5344CB8AC3E}">
-        <p14:creationId xmlns:p14="http://schemas.microsoft.com/office/powerpoint/2010/main" val="3838480792"/>
+        <p14:creationId xmlns:p14="http://schemas.microsoft.com/office/powerpoint/2010/main" val="579881864"/>
       </p:ext>
     </p:extLst>
   </p:cSld>
@@ -9182,6 +9151,247 @@
 </file>
 
 <file path=ppt/slides/slide40.xml><?xml version="1.0" encoding="utf-8"?>
+<p:sld xmlns:a="http://schemas.openxmlformats.org/drawingml/2006/main" xmlns:r="http://schemas.openxmlformats.org/officeDocument/2006/relationships" xmlns:p="http://schemas.openxmlformats.org/presentationml/2006/main">
+  <p:cSld>
+    <p:spTree>
+      <p:nvGrpSpPr>
+        <p:cNvPr id="1" name=""/>
+        <p:cNvGrpSpPr/>
+        <p:nvPr/>
+      </p:nvGrpSpPr>
+      <p:grpSpPr>
+        <a:xfrm>
+          <a:off x="0" y="0"/>
+          <a:ext cx="0" cy="0"/>
+          <a:chOff x="0" y="0"/>
+          <a:chExt cx="0" cy="0"/>
+        </a:xfrm>
+      </p:grpSpPr>
+      <p:sp>
+        <p:nvSpPr>
+          <p:cNvPr id="2" name="标题 1"/>
+          <p:cNvSpPr>
+            <a:spLocks noGrp="1"/>
+          </p:cNvSpPr>
+          <p:nvPr>
+            <p:ph type="title"/>
+          </p:nvPr>
+        </p:nvSpPr>
+        <p:spPr/>
+        <p:txBody>
+          <a:bodyPr/>
+          <a:lstStyle/>
+          <a:p>
+            <a:r>
+              <a:rPr lang="zh-CN" altLang="en-US" dirty="0" smtClean="0"/>
+              <a:t>错误处理</a:t>
+            </a:r>
+            <a:endParaRPr lang="zh-CN" altLang="en-US" dirty="0"/>
+          </a:p>
+        </p:txBody>
+      </p:sp>
+      <p:sp>
+        <p:nvSpPr>
+          <p:cNvPr id="3" name="内容占位符 2"/>
+          <p:cNvSpPr>
+            <a:spLocks noGrp="1"/>
+          </p:cNvSpPr>
+          <p:nvPr>
+            <p:ph idx="1"/>
+          </p:nvPr>
+        </p:nvSpPr>
+        <p:spPr/>
+        <p:txBody>
+          <a:bodyPr/>
+          <a:lstStyle/>
+          <a:p>
+            <a:pPr marL="0" indent="0">
+              <a:buNone/>
+            </a:pPr>
+            <a:r>
+              <a:rPr lang="en-US" altLang="zh-CN" dirty="0" smtClean="0"/>
+              <a:t>Resume</a:t>
+            </a:r>
+          </a:p>
+          <a:p>
+            <a:pPr marL="0" indent="0">
+              <a:buNone/>
+            </a:pPr>
+            <a:endParaRPr lang="en-US" altLang="zh-CN" dirty="0"/>
+          </a:p>
+          <a:p>
+            <a:pPr marL="0" indent="0">
+              <a:buNone/>
+            </a:pPr>
+            <a:endParaRPr lang="en-US" altLang="zh-CN" dirty="0" smtClean="0"/>
+          </a:p>
+          <a:p>
+            <a:pPr marL="0" indent="0">
+              <a:buNone/>
+            </a:pPr>
+            <a:endParaRPr lang="en-US" altLang="zh-CN" dirty="0"/>
+          </a:p>
+          <a:p>
+            <a:pPr marL="0" indent="0">
+              <a:buNone/>
+            </a:pPr>
+            <a:endParaRPr lang="en-US" altLang="zh-CN" dirty="0" smtClean="0"/>
+          </a:p>
+          <a:p>
+            <a:pPr marL="0" indent="0">
+              <a:buNone/>
+            </a:pPr>
+            <a:r>
+              <a:rPr lang="en-US" altLang="zh-CN" dirty="0"/>
+              <a:t>R</a:t>
+            </a:r>
+            <a:r>
+              <a:rPr lang="en-US" altLang="zh-CN" dirty="0" smtClean="0"/>
+              <a:t>etry</a:t>
+            </a:r>
+            <a:endParaRPr lang="en-US" altLang="zh-CN" dirty="0"/>
+          </a:p>
+        </p:txBody>
+      </p:sp>
+    </p:spTree>
+    <p:extLst>
+      <p:ext uri="{BB962C8B-B14F-4D97-AF65-F5344CB8AC3E}">
+        <p14:creationId xmlns:p14="http://schemas.microsoft.com/office/powerpoint/2010/main" val="3638241902"/>
+      </p:ext>
+    </p:extLst>
+  </p:cSld>
+  <p:clrMapOvr>
+    <a:masterClrMapping/>
+  </p:clrMapOvr>
+</p:sld>
+</file>
+
+<file path=ppt/slides/slide41.xml><?xml version="1.0" encoding="utf-8"?>
+<p:sld xmlns:a="http://schemas.openxmlformats.org/drawingml/2006/main" xmlns:r="http://schemas.openxmlformats.org/officeDocument/2006/relationships" xmlns:p="http://schemas.openxmlformats.org/presentationml/2006/main">
+  <p:cSld>
+    <p:spTree>
+      <p:nvGrpSpPr>
+        <p:cNvPr id="1" name=""/>
+        <p:cNvGrpSpPr/>
+        <p:nvPr/>
+      </p:nvGrpSpPr>
+      <p:grpSpPr>
+        <a:xfrm>
+          <a:off x="0" y="0"/>
+          <a:ext cx="0" cy="0"/>
+          <a:chOff x="0" y="0"/>
+          <a:chExt cx="0" cy="0"/>
+        </a:xfrm>
+      </p:grpSpPr>
+      <p:sp>
+        <p:nvSpPr>
+          <p:cNvPr id="2" name="标题 1"/>
+          <p:cNvSpPr>
+            <a:spLocks noGrp="1"/>
+          </p:cNvSpPr>
+          <p:nvPr>
+            <p:ph type="title"/>
+          </p:nvPr>
+        </p:nvSpPr>
+        <p:spPr/>
+        <p:txBody>
+          <a:bodyPr/>
+          <a:lstStyle/>
+          <a:p>
+            <a:r>
+              <a:rPr lang="en-US" altLang="zh-CN" dirty="0" err="1" smtClean="0"/>
+              <a:t>RxBus</a:t>
+            </a:r>
+            <a:endParaRPr lang="zh-CN" altLang="en-US" dirty="0"/>
+          </a:p>
+        </p:txBody>
+      </p:sp>
+      <p:sp>
+        <p:nvSpPr>
+          <p:cNvPr id="3" name="内容占位符 2"/>
+          <p:cNvSpPr>
+            <a:spLocks noGrp="1"/>
+          </p:cNvSpPr>
+          <p:nvPr>
+            <p:ph idx="1"/>
+          </p:nvPr>
+        </p:nvSpPr>
+        <p:spPr/>
+        <p:txBody>
+          <a:bodyPr/>
+          <a:lstStyle/>
+          <a:p>
+            <a:r>
+              <a:rPr lang="zh-CN" altLang="en-US" dirty="0" smtClean="0"/>
+              <a:t>什么是</a:t>
+            </a:r>
+            <a:r>
+              <a:rPr lang="en-US" altLang="zh-CN" dirty="0" err="1" smtClean="0"/>
+              <a:t>RxBus</a:t>
+            </a:r>
+            <a:endParaRPr lang="en-US" altLang="zh-CN" dirty="0" smtClean="0"/>
+          </a:p>
+          <a:p>
+            <a:r>
+              <a:rPr lang="en-US" altLang="zh-CN" dirty="0" err="1" smtClean="0"/>
+              <a:t>EventBus</a:t>
+            </a:r>
+            <a:r>
+              <a:rPr lang="zh-CN" altLang="en-US" dirty="0" smtClean="0"/>
+              <a:t> </a:t>
+            </a:r>
+            <a:r>
+              <a:rPr lang="en-US" altLang="zh-CN" dirty="0" err="1" smtClean="0"/>
+              <a:t>RxJava</a:t>
+            </a:r>
+            <a:r>
+              <a:rPr lang="zh-CN" altLang="en-US" dirty="0" smtClean="0"/>
+              <a:t>的实现</a:t>
+            </a:r>
+            <a:endParaRPr lang="en-US" altLang="zh-CN" dirty="0" smtClean="0"/>
+          </a:p>
+          <a:p>
+            <a:endParaRPr lang="en-US" altLang="zh-CN" dirty="0"/>
+          </a:p>
+          <a:p>
+            <a:pPr marL="0" indent="0">
+              <a:buNone/>
+            </a:pPr>
+            <a:endParaRPr lang="en-US" altLang="zh-CN" dirty="0"/>
+          </a:p>
+          <a:p>
+            <a:r>
+              <a:rPr lang="zh-CN" altLang="en-US" dirty="0" smtClean="0"/>
+              <a:t>能干什么？</a:t>
+            </a:r>
+            <a:endParaRPr lang="en-US" altLang="zh-CN" dirty="0" smtClean="0"/>
+          </a:p>
+          <a:p>
+            <a:r>
+              <a:rPr lang="zh-CN" altLang="en-US" dirty="0" smtClean="0"/>
+              <a:t>让组件之间沟通变的更简单</a:t>
+            </a:r>
+            <a:endParaRPr lang="en-US" altLang="zh-CN" dirty="0" smtClean="0"/>
+          </a:p>
+          <a:p>
+            <a:endParaRPr lang="en-US" altLang="zh-CN" dirty="0" smtClean="0"/>
+          </a:p>
+        </p:txBody>
+      </p:sp>
+    </p:spTree>
+    <p:extLst>
+      <p:ext uri="{BB962C8B-B14F-4D97-AF65-F5344CB8AC3E}">
+        <p14:creationId xmlns:p14="http://schemas.microsoft.com/office/powerpoint/2010/main" val="3838480792"/>
+      </p:ext>
+    </p:extLst>
+  </p:cSld>
+  <p:clrMapOvr>
+    <a:masterClrMapping/>
+  </p:clrMapOvr>
+</p:sld>
+</file>
+
+<file path=ppt/slides/slide42.xml><?xml version="1.0" encoding="utf-8"?>
 <p:sld xmlns:a="http://schemas.openxmlformats.org/drawingml/2006/main" xmlns:r="http://schemas.openxmlformats.org/officeDocument/2006/relationships" xmlns:p="http://schemas.openxmlformats.org/presentationml/2006/main">
   <p:cSld>
     <p:spTree>
@@ -9277,7 +9487,7 @@
 </p:sld>
 </file>
 
-<file path=ppt/slides/slide41.xml><?xml version="1.0" encoding="utf-8"?>
+<file path=ppt/slides/slide43.xml><?xml version="1.0" encoding="utf-8"?>
 <p:sld xmlns:a="http://schemas.openxmlformats.org/drawingml/2006/main" xmlns:r="http://schemas.openxmlformats.org/officeDocument/2006/relationships" xmlns:p="http://schemas.openxmlformats.org/presentationml/2006/main">
   <p:cSld>
     <p:spTree>
@@ -9309,6 +9519,14 @@
           <a:bodyPr/>
           <a:lstStyle/>
           <a:p>
+            <a:r>
+              <a:rPr lang="en-US" altLang="zh-CN" dirty="0" err="1" smtClean="0"/>
+              <a:t>RxJava</a:t>
+            </a:r>
+            <a:r>
+              <a:rPr lang="zh-CN" altLang="en-US" dirty="0" smtClean="0"/>
+              <a:t>原理</a:t>
+            </a:r>
             <a:endParaRPr lang="zh-CN" altLang="en-US" dirty="0"/>
           </a:p>
         </p:txBody>
